--- a/07-Arrays.pptx
+++ b/07-Arrays.pptx
@@ -5642,7 +5642,17 @@
                   </a:schemeClr>
                 </a:solidFill>
               </a:rPr>
-              <a:t>float</a:t>
+              <a:t>float[,] </a:t>
+            </a:r>
+            <a:r>
+              <a:rPr lang="en-US" dirty="0" err="1" smtClean="0">
+                <a:solidFill>
+                  <a:schemeClr val="bg1">
+                    <a:lumMod val="95000"/>
+                  </a:schemeClr>
+                </a:solidFill>
+              </a:rPr>
+              <a:t>floatMatrix</a:t>
             </a:r>
             <a:r>
               <a:rPr lang="en-US" dirty="0" smtClean="0">
@@ -5652,18 +5662,13 @@
                   </a:schemeClr>
                 </a:solidFill>
               </a:rPr>
-              <a:t>[,] </a:t>
-            </a:r>
-            <a:r>
-              <a:rPr lang="en-US" dirty="0" err="1" smtClean="0">
-                <a:solidFill>
-                  <a:schemeClr val="bg1">
-                    <a:lumMod val="95000"/>
-                  </a:schemeClr>
-                </a:solidFill>
-              </a:rPr>
-              <a:t>floatMatrix</a:t>
-            </a:r>
+              <a:t>;</a:t>
+            </a:r>
+          </a:p>
+          <a:p>
+            <a:pPr marL="0" indent="0">
+              <a:buNone/>
+            </a:pPr>
             <a:r>
               <a:rPr lang="en-US" dirty="0" smtClean="0">
                 <a:solidFill>
@@ -5672,32 +5677,7 @@
                   </a:schemeClr>
                 </a:solidFill>
               </a:rPr>
-              <a:t>;</a:t>
-            </a:r>
-          </a:p>
-          <a:p>
-            <a:pPr marL="0" indent="0">
-              <a:buNone/>
-            </a:pPr>
-            <a:r>
-              <a:rPr lang="en-US" dirty="0" smtClean="0">
-                <a:solidFill>
-                  <a:schemeClr val="bg1">
-                    <a:lumMod val="95000"/>
-                  </a:schemeClr>
-                </a:solidFill>
-              </a:rPr>
-              <a:t>String</a:t>
-            </a:r>
-            <a:r>
-              <a:rPr lang="en-US" dirty="0" smtClean="0">
-                <a:solidFill>
-                  <a:schemeClr val="bg1">
-                    <a:lumMod val="95000"/>
-                  </a:schemeClr>
-                </a:solidFill>
-              </a:rPr>
-              <a:t>[,,] </a:t>
+              <a:t>String[,,] </a:t>
             </a:r>
             <a:r>
               <a:rPr lang="en-US" dirty="0" err="1" smtClean="0">
@@ -5884,8 +5864,49 @@
                   </a:schemeClr>
                 </a:solidFill>
               </a:rPr>
-              <a:t> = {</a:t>
-            </a:r>
+              <a:t> = </a:t>
+            </a:r>
+            <a:r>
+              <a:rPr lang="en-US" dirty="0">
+                <a:solidFill>
+                  <a:schemeClr val="bg1"/>
+                </a:solidFill>
+              </a:rPr>
+              <a:t>new </a:t>
+            </a:r>
+            <a:r>
+              <a:rPr lang="en-US" dirty="0" err="1">
+                <a:solidFill>
+                  <a:schemeClr val="bg1"/>
+                </a:solidFill>
+              </a:rPr>
+              <a:t>int</a:t>
+            </a:r>
+            <a:r>
+              <a:rPr lang="en-US" dirty="0">
+                <a:solidFill>
+                  <a:schemeClr val="bg1"/>
+                </a:solidFill>
+              </a:rPr>
+              <a:t>[,] </a:t>
+            </a:r>
+            <a:r>
+              <a:rPr lang="en-US" dirty="0" smtClean="0">
+                <a:solidFill>
+                  <a:schemeClr val="bg1">
+                    <a:lumMod val="95000"/>
+                  </a:schemeClr>
+                </a:solidFill>
+              </a:rPr>
+              <a:t>{</a:t>
+            </a:r>
+            <a:endParaRPr lang="en-US" dirty="0" smtClean="0">
+              <a:solidFill>
+                <a:schemeClr val="bg1">
+                  <a:lumMod val="95000"/>
+                </a:schemeClr>
+              </a:solidFill>
+            </a:endParaRPr>
           </a:p>
           <a:p>
             <a:pPr marL="400050" lvl="1" indent="0">
@@ -6135,17 +6156,7 @@
                   </a:schemeClr>
                 </a:solidFill>
               </a:rPr>
-              <a:t>[3,5</a:t>
-            </a:r>
-            <a:r>
-              <a:rPr lang="en-US" sz="2800" dirty="0" smtClean="0">
-                <a:solidFill>
-                  <a:schemeClr val="bg1">
-                    <a:lumMod val="95000"/>
-                  </a:schemeClr>
-                </a:solidFill>
-              </a:rPr>
-              <a:t>];</a:t>
+              <a:t>[3,5];</a:t>
             </a:r>
             <a:endParaRPr lang="en-US" sz="2800" dirty="0">
               <a:solidFill>
@@ -6197,27 +6208,7 @@
                   </a:schemeClr>
                 </a:solidFill>
               </a:rPr>
-              <a:t> = new </a:t>
-            </a:r>
-            <a:r>
-              <a:rPr lang="en-US" sz="2800" dirty="0" smtClean="0">
-                <a:solidFill>
-                  <a:schemeClr val="bg1">
-                    <a:lumMod val="95000"/>
-                  </a:schemeClr>
-                </a:solidFill>
-              </a:rPr>
-              <a:t>float[2,7</a:t>
-            </a:r>
-            <a:r>
-              <a:rPr lang="en-US" sz="2800" dirty="0" smtClean="0">
-                <a:solidFill>
-                  <a:schemeClr val="bg1">
-                    <a:lumMod val="95000"/>
-                  </a:schemeClr>
-                </a:solidFill>
-              </a:rPr>
-              <a:t>];</a:t>
+              <a:t> = new float[2,7];</a:t>
             </a:r>
             <a:endParaRPr lang="en-US" sz="2800" dirty="0">
               <a:solidFill>
@@ -6269,27 +6260,7 @@
                   </a:schemeClr>
                 </a:solidFill>
               </a:rPr>
-              <a:t> = new </a:t>
-            </a:r>
-            <a:r>
-              <a:rPr lang="en-US" sz="2800" dirty="0" smtClean="0">
-                <a:solidFill>
-                  <a:schemeClr val="bg1">
-                    <a:lumMod val="95000"/>
-                  </a:schemeClr>
-                </a:solidFill>
-              </a:rPr>
-              <a:t>String[3,3,3</a:t>
-            </a:r>
-            <a:r>
-              <a:rPr lang="en-US" sz="2800" dirty="0" smtClean="0">
-                <a:solidFill>
-                  <a:schemeClr val="bg1">
-                    <a:lumMod val="95000"/>
-                  </a:schemeClr>
-                </a:solidFill>
-              </a:rPr>
-              <a:t>];</a:t>
+              <a:t> = new String[3,3,3];</a:t>
             </a:r>
             <a:endParaRPr lang="en-US" sz="2800" dirty="0">
               <a:solidFill>
@@ -7354,7 +7325,22 @@
                   </a:schemeClr>
                 </a:solidFill>
               </a:rPr>
-              <a:t>[2,2</a:t>
+              <a:t>[2,2];</a:t>
+            </a:r>
+          </a:p>
+          <a:p>
+            <a:pPr marL="0" indent="0">
+              <a:buNone/>
+            </a:pPr>
+            <a:r>
+              <a:rPr lang="en-US" dirty="0" err="1" smtClean="0">
+                <a:solidFill>
+                  <a:schemeClr val="bg1">
+                    <a:lumMod val="95000"/>
+                  </a:schemeClr>
+                </a:solidFill>
+              </a:rPr>
+              <a:t>ourArray</a:t>
             </a:r>
             <a:r>
               <a:rPr lang="en-US" dirty="0" smtClean="0">
@@ -7364,7 +7350,7 @@
                   </a:schemeClr>
                 </a:solidFill>
               </a:rPr>
-              <a:t>];</a:t>
+              <a:t>[0,0] = 7;</a:t>
             </a:r>
           </a:p>
           <a:p>
@@ -7389,7 +7375,22 @@
                   </a:schemeClr>
                 </a:solidFill>
               </a:rPr>
-              <a:t>[0,0</a:t>
+              <a:t>[0,1] = 1;</a:t>
+            </a:r>
+          </a:p>
+          <a:p>
+            <a:pPr marL="0" indent="0">
+              <a:buNone/>
+            </a:pPr>
+            <a:r>
+              <a:rPr lang="en-US" dirty="0" err="1" smtClean="0">
+                <a:solidFill>
+                  <a:schemeClr val="bg1">
+                    <a:lumMod val="95000"/>
+                  </a:schemeClr>
+                </a:solidFill>
+              </a:rPr>
+              <a:t>ourArray</a:t>
             </a:r>
             <a:r>
               <a:rPr lang="en-US" dirty="0" smtClean="0">
@@ -7399,7 +7400,27 @@
                   </a:schemeClr>
                 </a:solidFill>
               </a:rPr>
-              <a:t>] = 7;</a:t>
+              <a:t>[1,0] </a:t>
+            </a:r>
+            <a:r>
+              <a:rPr lang="en-US" dirty="0">
+                <a:solidFill>
+                  <a:schemeClr val="bg1">
+                    <a:lumMod val="95000"/>
+                  </a:schemeClr>
+                </a:solidFill>
+              </a:rPr>
+              <a:t>= </a:t>
+            </a:r>
+            <a:r>
+              <a:rPr lang="en-US" dirty="0" smtClean="0">
+                <a:solidFill>
+                  <a:schemeClr val="bg1">
+                    <a:lumMod val="95000"/>
+                  </a:schemeClr>
+                </a:solidFill>
+              </a:rPr>
+              <a:t>9;</a:t>
             </a:r>
           </a:p>
           <a:p>
@@ -7424,107 +7445,7 @@
                   </a:schemeClr>
                 </a:solidFill>
               </a:rPr>
-              <a:t>[0,1</a:t>
-            </a:r>
-            <a:r>
-              <a:rPr lang="en-US" dirty="0" smtClean="0">
-                <a:solidFill>
-                  <a:schemeClr val="bg1">
-                    <a:lumMod val="95000"/>
-                  </a:schemeClr>
-                </a:solidFill>
-              </a:rPr>
-              <a:t>] = 1;</a:t>
-            </a:r>
-          </a:p>
-          <a:p>
-            <a:pPr marL="0" indent="0">
-              <a:buNone/>
-            </a:pPr>
-            <a:r>
-              <a:rPr lang="en-US" dirty="0" err="1" smtClean="0">
-                <a:solidFill>
-                  <a:schemeClr val="bg1">
-                    <a:lumMod val="95000"/>
-                  </a:schemeClr>
-                </a:solidFill>
-              </a:rPr>
-              <a:t>ourArray</a:t>
-            </a:r>
-            <a:r>
-              <a:rPr lang="en-US" dirty="0" smtClean="0">
-                <a:solidFill>
-                  <a:schemeClr val="bg1">
-                    <a:lumMod val="95000"/>
-                  </a:schemeClr>
-                </a:solidFill>
-              </a:rPr>
-              <a:t>[1,0</a:t>
-            </a:r>
-            <a:r>
-              <a:rPr lang="en-US" dirty="0" smtClean="0">
-                <a:solidFill>
-                  <a:schemeClr val="bg1">
-                    <a:lumMod val="95000"/>
-                  </a:schemeClr>
-                </a:solidFill>
-              </a:rPr>
-              <a:t>] </a:t>
-            </a:r>
-            <a:r>
-              <a:rPr lang="en-US" dirty="0">
-                <a:solidFill>
-                  <a:schemeClr val="bg1">
-                    <a:lumMod val="95000"/>
-                  </a:schemeClr>
-                </a:solidFill>
-              </a:rPr>
-              <a:t>= </a:t>
-            </a:r>
-            <a:r>
-              <a:rPr lang="en-US" dirty="0" smtClean="0">
-                <a:solidFill>
-                  <a:schemeClr val="bg1">
-                    <a:lumMod val="95000"/>
-                  </a:schemeClr>
-                </a:solidFill>
-              </a:rPr>
-              <a:t>9;</a:t>
-            </a:r>
-          </a:p>
-          <a:p>
-            <a:pPr marL="0" indent="0">
-              <a:buNone/>
-            </a:pPr>
-            <a:r>
-              <a:rPr lang="en-US" dirty="0" err="1" smtClean="0">
-                <a:solidFill>
-                  <a:schemeClr val="bg1">
-                    <a:lumMod val="95000"/>
-                  </a:schemeClr>
-                </a:solidFill>
-              </a:rPr>
-              <a:t>ourArray</a:t>
-            </a:r>
-            <a:r>
-              <a:rPr lang="en-US" dirty="0" smtClean="0">
-                <a:solidFill>
-                  <a:schemeClr val="bg1">
-                    <a:lumMod val="95000"/>
-                  </a:schemeClr>
-                </a:solidFill>
-              </a:rPr>
-              <a:t>[1,1</a:t>
-            </a:r>
-            <a:r>
-              <a:rPr lang="en-US" dirty="0" smtClean="0">
-                <a:solidFill>
-                  <a:schemeClr val="bg1">
-                    <a:lumMod val="95000"/>
-                  </a:schemeClr>
-                </a:solidFill>
-              </a:rPr>
-              <a:t>] </a:t>
+              <a:t>[1,1] </a:t>
             </a:r>
             <a:r>
               <a:rPr lang="en-US" dirty="0">
@@ -7803,7 +7724,22 @@
                   </a:schemeClr>
                 </a:solidFill>
               </a:rPr>
-              <a:t>[0,0</a:t>
+              <a:t>[0,0];</a:t>
+            </a:r>
+          </a:p>
+          <a:p>
+            <a:pPr marL="0" indent="0">
+              <a:buNone/>
+            </a:pPr>
+            <a:r>
+              <a:rPr lang="en-US" dirty="0" err="1" smtClean="0">
+                <a:solidFill>
+                  <a:schemeClr val="bg1">
+                    <a:lumMod val="95000"/>
+                  </a:schemeClr>
+                </a:solidFill>
+              </a:rPr>
+              <a:t>int</a:t>
             </a:r>
             <a:r>
               <a:rPr lang="en-US" dirty="0" smtClean="0">
@@ -7813,7 +7749,47 @@
                   </a:schemeClr>
                 </a:solidFill>
               </a:rPr>
-              <a:t>];</a:t>
+              <a:t> </a:t>
+            </a:r>
+            <a:r>
+              <a:rPr lang="en-US" dirty="0" err="1" smtClean="0">
+                <a:solidFill>
+                  <a:schemeClr val="bg1">
+                    <a:lumMod val="95000"/>
+                  </a:schemeClr>
+                </a:solidFill>
+              </a:rPr>
+              <a:t>zeroOne</a:t>
+            </a:r>
+            <a:r>
+              <a:rPr lang="en-US" dirty="0" smtClean="0">
+                <a:solidFill>
+                  <a:schemeClr val="bg1">
+                    <a:lumMod val="95000"/>
+                  </a:schemeClr>
+                </a:solidFill>
+              </a:rPr>
+              <a:t> = </a:t>
+            </a:r>
+            <a:r>
+              <a:rPr lang="en-US" dirty="0" err="1" smtClean="0">
+                <a:solidFill>
+                  <a:schemeClr val="bg1">
+                    <a:lumMod val="95000"/>
+                  </a:schemeClr>
+                </a:solidFill>
+              </a:rPr>
+              <a:t>ourArray</a:t>
+            </a:r>
+            <a:r>
+              <a:rPr lang="en-US" dirty="0" smtClean="0">
+                <a:solidFill>
+                  <a:schemeClr val="bg1">
+                    <a:lumMod val="95000"/>
+                  </a:schemeClr>
+                </a:solidFill>
+              </a:rPr>
+              <a:t>[0,1];</a:t>
             </a:r>
           </a:p>
           <a:p>
@@ -7848,7 +7824,7 @@
                   </a:schemeClr>
                 </a:solidFill>
               </a:rPr>
-              <a:t>zeroOne</a:t>
+              <a:t>oneZero</a:t>
             </a:r>
             <a:r>
               <a:rPr lang="en-US" dirty="0" smtClean="0">
@@ -7878,7 +7854,22 @@
                   </a:schemeClr>
                 </a:solidFill>
               </a:rPr>
-              <a:t>[0,1</a:t>
+              <a:t>[1,0];</a:t>
+            </a:r>
+          </a:p>
+          <a:p>
+            <a:pPr marL="0" indent="0">
+              <a:buNone/>
+            </a:pPr>
+            <a:r>
+              <a:rPr lang="en-US" dirty="0" err="1" smtClean="0">
+                <a:solidFill>
+                  <a:schemeClr val="bg1">
+                    <a:lumMod val="95000"/>
+                  </a:schemeClr>
+                </a:solidFill>
+              </a:rPr>
+              <a:t>int</a:t>
             </a:r>
             <a:r>
               <a:rPr lang="en-US" dirty="0" smtClean="0">
@@ -7888,13 +7879,8 @@
                   </a:schemeClr>
                 </a:solidFill>
               </a:rPr>
-              <a:t>];</a:t>
-            </a:r>
-          </a:p>
-          <a:p>
-            <a:pPr marL="0" indent="0">
-              <a:buNone/>
-            </a:pPr>
+              <a:t> </a:t>
+            </a:r>
             <a:r>
               <a:rPr lang="en-US" dirty="0" err="1" smtClean="0">
                 <a:solidFill>
@@ -7903,7 +7889,7 @@
                   </a:schemeClr>
                 </a:solidFill>
               </a:rPr>
-              <a:t>int</a:t>
+              <a:t>oneOne</a:t>
             </a:r>
             <a:r>
               <a:rPr lang="en-US" dirty="0" smtClean="0">
@@ -7913,7 +7899,7 @@
                   </a:schemeClr>
                 </a:solidFill>
               </a:rPr>
-              <a:t> </a:t>
+              <a:t> = </a:t>
             </a:r>
             <a:r>
               <a:rPr lang="en-US" dirty="0" err="1" smtClean="0">
@@ -7923,7 +7909,7 @@
                   </a:schemeClr>
                 </a:solidFill>
               </a:rPr>
-              <a:t>oneZero</a:t>
+              <a:t>ourArray</a:t>
             </a:r>
             <a:r>
               <a:rPr lang="en-US" dirty="0" smtClean="0">
@@ -7933,112 +7919,7 @@
                   </a:schemeClr>
                 </a:solidFill>
               </a:rPr>
-              <a:t> = </a:t>
-            </a:r>
-            <a:r>
-              <a:rPr lang="en-US" dirty="0" err="1" smtClean="0">
-                <a:solidFill>
-                  <a:schemeClr val="bg1">
-                    <a:lumMod val="95000"/>
-                  </a:schemeClr>
-                </a:solidFill>
-              </a:rPr>
-              <a:t>ourArray</a:t>
-            </a:r>
-            <a:r>
-              <a:rPr lang="en-US" dirty="0" smtClean="0">
-                <a:solidFill>
-                  <a:schemeClr val="bg1">
-                    <a:lumMod val="95000"/>
-                  </a:schemeClr>
-                </a:solidFill>
-              </a:rPr>
-              <a:t>[1,0</a:t>
-            </a:r>
-            <a:r>
-              <a:rPr lang="en-US" dirty="0" smtClean="0">
-                <a:solidFill>
-                  <a:schemeClr val="bg1">
-                    <a:lumMod val="95000"/>
-                  </a:schemeClr>
-                </a:solidFill>
-              </a:rPr>
-              <a:t>];</a:t>
-            </a:r>
-          </a:p>
-          <a:p>
-            <a:pPr marL="0" indent="0">
-              <a:buNone/>
-            </a:pPr>
-            <a:r>
-              <a:rPr lang="en-US" dirty="0" err="1" smtClean="0">
-                <a:solidFill>
-                  <a:schemeClr val="bg1">
-                    <a:lumMod val="95000"/>
-                  </a:schemeClr>
-                </a:solidFill>
-              </a:rPr>
-              <a:t>int</a:t>
-            </a:r>
-            <a:r>
-              <a:rPr lang="en-US" dirty="0" smtClean="0">
-                <a:solidFill>
-                  <a:schemeClr val="bg1">
-                    <a:lumMod val="95000"/>
-                  </a:schemeClr>
-                </a:solidFill>
-              </a:rPr>
-              <a:t> </a:t>
-            </a:r>
-            <a:r>
-              <a:rPr lang="en-US" dirty="0" err="1" smtClean="0">
-                <a:solidFill>
-                  <a:schemeClr val="bg1">
-                    <a:lumMod val="95000"/>
-                  </a:schemeClr>
-                </a:solidFill>
-              </a:rPr>
-              <a:t>oneOne</a:t>
-            </a:r>
-            <a:r>
-              <a:rPr lang="en-US" dirty="0" smtClean="0">
-                <a:solidFill>
-                  <a:schemeClr val="bg1">
-                    <a:lumMod val="95000"/>
-                  </a:schemeClr>
-                </a:solidFill>
-              </a:rPr>
-              <a:t> = </a:t>
-            </a:r>
-            <a:r>
-              <a:rPr lang="en-US" dirty="0" err="1" smtClean="0">
-                <a:solidFill>
-                  <a:schemeClr val="bg1">
-                    <a:lumMod val="95000"/>
-                  </a:schemeClr>
-                </a:solidFill>
-              </a:rPr>
-              <a:t>ourArray</a:t>
-            </a:r>
-            <a:r>
-              <a:rPr lang="en-US" dirty="0" smtClean="0">
-                <a:solidFill>
-                  <a:schemeClr val="bg1">
-                    <a:lumMod val="95000"/>
-                  </a:schemeClr>
-                </a:solidFill>
-              </a:rPr>
-              <a:t>[1,1</a:t>
-            </a:r>
-            <a:r>
-              <a:rPr lang="en-US" dirty="0" smtClean="0">
-                <a:solidFill>
-                  <a:schemeClr val="bg1">
-                    <a:lumMod val="95000"/>
-                  </a:schemeClr>
-                </a:solidFill>
-              </a:rPr>
-              <a:t>];	</a:t>
+              <a:t>[1,1];	</a:t>
             </a:r>
             <a:endParaRPr lang="ru-RU" dirty="0">
               <a:solidFill>
@@ -8345,7 +8226,17 @@
                   </a:schemeClr>
                 </a:solidFill>
               </a:rPr>
-              <a:t> matrix</a:t>
+              <a:t> matrix[,] = new </a:t>
+            </a:r>
+            <a:r>
+              <a:rPr lang="en-US" dirty="0" err="1" smtClean="0">
+                <a:solidFill>
+                  <a:schemeClr val="bg1">
+                    <a:lumMod val="95000"/>
+                  </a:schemeClr>
+                </a:solidFill>
+              </a:rPr>
+              <a:t>int</a:t>
             </a:r>
             <a:r>
               <a:rPr lang="en-US" dirty="0" smtClean="0">
@@ -8355,7 +8246,7 @@
                   </a:schemeClr>
                 </a:solidFill>
               </a:rPr>
-              <a:t>[,] </a:t>
+              <a:t>[5,3</a:t>
             </a:r>
             <a:r>
               <a:rPr lang="en-US" dirty="0" smtClean="0">
@@ -8365,17 +8256,28 @@
                   </a:schemeClr>
                 </a:solidFill>
               </a:rPr>
-              <a:t>= new </a:t>
-            </a:r>
-            <a:r>
-              <a:rPr lang="en-US" dirty="0" err="1" smtClean="0">
-                <a:solidFill>
-                  <a:schemeClr val="bg1">
-                    <a:lumMod val="95000"/>
-                  </a:schemeClr>
-                </a:solidFill>
-              </a:rPr>
-              <a:t>int</a:t>
+              <a:t>];</a:t>
+            </a:r>
+          </a:p>
+          <a:p>
+            <a:pPr marL="0" indent="0">
+              <a:buNone/>
+            </a:pPr>
+            <a:r>
+              <a:rPr lang="en-US" dirty="0" err="1">
+                <a:solidFill>
+                  <a:schemeClr val="bg1"/>
+                </a:solidFill>
+              </a:rPr>
+              <a:t>matrix.GetLength</a:t>
+            </a:r>
+            <a:r>
+              <a:rPr lang="en-US" dirty="0">
+                <a:solidFill>
+                  <a:schemeClr val="bg1"/>
+                </a:solidFill>
+              </a:rPr>
+              <a:t>(0)</a:t>
             </a:r>
             <a:r>
               <a:rPr lang="en-US" dirty="0" smtClean="0">
@@ -8385,22 +8287,7 @@
                   </a:schemeClr>
                 </a:solidFill>
               </a:rPr>
-              <a:t>[5][3];</a:t>
-            </a:r>
-          </a:p>
-          <a:p>
-            <a:pPr marL="0" indent="0">
-              <a:buNone/>
-            </a:pPr>
-            <a:r>
-              <a:rPr lang="en-US" dirty="0" err="1" smtClean="0">
-                <a:solidFill>
-                  <a:schemeClr val="bg1">
-                    <a:lumMod val="95000"/>
-                  </a:schemeClr>
-                </a:solidFill>
-              </a:rPr>
-              <a:t>matrix.length</a:t>
+              <a:t> </a:t>
             </a:r>
             <a:r>
               <a:rPr lang="en-US" dirty="0" smtClean="0">
@@ -8410,7 +8297,7 @@
                   </a:schemeClr>
                 </a:solidFill>
               </a:rPr>
-              <a:t> – </a:t>
+              <a:t>– </a:t>
             </a:r>
             <a:r>
               <a:rPr lang="bg-BG" dirty="0" smtClean="0">
@@ -8445,21 +8332,25 @@
               <a:buNone/>
             </a:pPr>
             <a:r>
+              <a:rPr lang="en-US" dirty="0" err="1" smtClean="0">
+                <a:solidFill>
+                  <a:schemeClr val="bg1"/>
+                </a:solidFill>
+              </a:rPr>
+              <a:t>matrix.GetLength</a:t>
+            </a:r>
+            <a:r>
               <a:rPr lang="en-US" dirty="0" smtClean="0">
                 <a:solidFill>
-                  <a:schemeClr val="bg1">
-                    <a:lumMod val="95000"/>
-                  </a:schemeClr>
-                </a:solidFill>
-              </a:rPr>
-              <a:t>matrix[</a:t>
+                  <a:schemeClr val="bg1"/>
+                </a:solidFill>
+              </a:rPr>
+              <a:t>(</a:t>
             </a:r>
             <a:r>
               <a:rPr lang="en-US" dirty="0" err="1" smtClean="0">
                 <a:solidFill>
-                  <a:schemeClr val="bg1">
-                    <a:lumMod val="95000"/>
-                  </a:schemeClr>
+                  <a:schemeClr val="bg1"/>
                 </a:solidFill>
               </a:rPr>
               <a:t>i</a:t>
@@ -8467,22 +8358,10 @@
             <a:r>
               <a:rPr lang="en-US" dirty="0" smtClean="0">
                 <a:solidFill>
-                  <a:schemeClr val="bg1">
-                    <a:lumMod val="95000"/>
-                  </a:schemeClr>
-                </a:solidFill>
-              </a:rPr>
-              <a:t>].</a:t>
-            </a:r>
-            <a:r>
-              <a:rPr lang="en-US" dirty="0">
-                <a:solidFill>
-                  <a:schemeClr val="bg1">
-                    <a:lumMod val="95000"/>
-                  </a:schemeClr>
-                </a:solidFill>
-              </a:rPr>
-              <a:t>length</a:t>
+                  <a:schemeClr val="bg1"/>
+                </a:solidFill>
+              </a:rPr>
+              <a:t>)</a:t>
             </a:r>
             <a:r>
               <a:rPr lang="bg-BG" dirty="0" smtClean="0">
@@ -8492,7 +8371,17 @@
                   </a:schemeClr>
                 </a:solidFill>
               </a:rPr>
-              <a:t> – връща дължината на </a:t>
+              <a:t>– </a:t>
+            </a:r>
+            <a:r>
+              <a:rPr lang="bg-BG" dirty="0" smtClean="0">
+                <a:solidFill>
+                  <a:schemeClr val="bg1">
+                    <a:lumMod val="95000"/>
+                  </a:schemeClr>
+                </a:solidFill>
+              </a:rPr>
+              <a:t>връща дължината на </a:t>
             </a:r>
             <a:r>
               <a:rPr lang="en-US" dirty="0" err="1" smtClean="0">
@@ -9481,7 +9370,7 @@
               <a:buChar char="§"/>
             </a:pPr>
             <a:r>
-              <a:rPr lang="bg-BG" sz="2400" dirty="0">
+              <a:rPr lang="bg-BG" sz="2800" dirty="0">
                 <a:solidFill>
                   <a:schemeClr val="bg1">
                     <a:lumMod val="95000"/>
@@ -9491,7 +9380,7 @@
               <a:t>Напишете </a:t>
             </a:r>
             <a:r>
-              <a:rPr lang="ru-RU" sz="2400" dirty="0" err="1" smtClean="0">
+              <a:rPr lang="ru-RU" sz="2800" dirty="0" err="1" smtClean="0">
                 <a:solidFill>
                   <a:schemeClr val="bg1">
                     <a:lumMod val="95000"/>
@@ -9501,7 +9390,7 @@
               <a:t>програма</a:t>
             </a:r>
             <a:r>
-              <a:rPr lang="ru-RU" sz="2400" dirty="0">
+              <a:rPr lang="ru-RU" sz="2800" dirty="0">
                 <a:solidFill>
                   <a:schemeClr val="bg1">
                     <a:lumMod val="95000"/>
@@ -9511,7 +9400,7 @@
               <a:t>, </a:t>
             </a:r>
             <a:r>
-              <a:rPr lang="ru-RU" sz="2400" dirty="0" err="1">
+              <a:rPr lang="ru-RU" sz="2800" dirty="0" err="1">
                 <a:solidFill>
                   <a:schemeClr val="bg1">
                     <a:lumMod val="95000"/>
@@ -9521,7 +9410,7 @@
               <a:t>която</a:t>
             </a:r>
             <a:r>
-              <a:rPr lang="ru-RU" sz="2400" dirty="0">
+              <a:rPr lang="ru-RU" sz="2800" dirty="0">
                 <a:solidFill>
                   <a:schemeClr val="bg1">
                     <a:lumMod val="95000"/>
@@ -9531,7 +9420,7 @@
               <a:t> приема от </a:t>
             </a:r>
             <a:r>
-              <a:rPr lang="ru-RU" sz="2400" dirty="0" err="1">
+              <a:rPr lang="ru-RU" sz="2800" dirty="0" err="1">
                 <a:solidFill>
                   <a:schemeClr val="bg1">
                     <a:lumMod val="95000"/>
@@ -9541,7 +9430,7 @@
               <a:t>конзолата</a:t>
             </a:r>
             <a:r>
-              <a:rPr lang="ru-RU" sz="2400" dirty="0">
+              <a:rPr lang="ru-RU" sz="2800" dirty="0">
                 <a:solidFill>
                   <a:schemeClr val="bg1">
                     <a:lumMod val="95000"/>
@@ -9551,7 +9440,7 @@
               <a:t> 2 числа </a:t>
             </a:r>
             <a:r>
-              <a:rPr lang="en-US" sz="2400" dirty="0" smtClean="0">
+              <a:rPr lang="en-US" sz="2800" dirty="0" smtClean="0">
                 <a:solidFill>
                   <a:schemeClr val="bg1">
                     <a:lumMod val="95000"/>
@@ -9561,7 +9450,7 @@
               <a:t>a</a:t>
             </a:r>
             <a:r>
-              <a:rPr lang="ru-RU" sz="2400" dirty="0" smtClean="0">
+              <a:rPr lang="ru-RU" sz="2800" dirty="0" smtClean="0">
                 <a:solidFill>
                   <a:schemeClr val="bg1">
                     <a:lumMod val="95000"/>
@@ -9571,7 +9460,7 @@
               <a:t> </a:t>
             </a:r>
             <a:r>
-              <a:rPr lang="ru-RU" sz="2400" dirty="0">
+              <a:rPr lang="ru-RU" sz="2800" dirty="0">
                 <a:solidFill>
                   <a:schemeClr val="bg1">
                     <a:lumMod val="95000"/>
@@ -9581,7 +9470,7 @@
               <a:t>и b </a:t>
             </a:r>
             <a:r>
-              <a:rPr lang="ru-RU" sz="2400" dirty="0" smtClean="0">
+              <a:rPr lang="ru-RU" sz="2800" dirty="0" smtClean="0">
                 <a:solidFill>
                   <a:schemeClr val="bg1">
                     <a:lumMod val="95000"/>
@@ -9591,7 +9480,7 @@
               <a:t>(</a:t>
             </a:r>
             <a:r>
-              <a:rPr lang="en-US" sz="2400" dirty="0" smtClean="0">
+              <a:rPr lang="en-US" sz="2800" dirty="0" smtClean="0">
                 <a:solidFill>
                   <a:schemeClr val="bg1">
                     <a:lumMod val="95000"/>
@@ -9601,7 +9490,7 @@
               <a:t>b</a:t>
             </a:r>
             <a:r>
-              <a:rPr lang="ru-RU" sz="2400" dirty="0" smtClean="0">
+              <a:rPr lang="ru-RU" sz="2800" dirty="0" smtClean="0">
                 <a:solidFill>
                   <a:schemeClr val="bg1">
                     <a:lumMod val="95000"/>
@@ -9611,7 +9500,7 @@
               <a:t> </a:t>
             </a:r>
             <a:r>
-              <a:rPr lang="ru-RU" sz="2400" dirty="0">
+              <a:rPr lang="ru-RU" sz="2800" dirty="0">
                 <a:solidFill>
                   <a:schemeClr val="bg1">
                     <a:lumMod val="95000"/>
@@ -9621,7 +9510,7 @@
               <a:t>&gt; </a:t>
             </a:r>
             <a:r>
-              <a:rPr lang="en-US" sz="2400" dirty="0" smtClean="0">
+              <a:rPr lang="en-US" sz="2800" dirty="0" smtClean="0">
                 <a:solidFill>
                   <a:schemeClr val="bg1">
                     <a:lumMod val="95000"/>
@@ -9631,7 +9520,7 @@
               <a:t>a</a:t>
             </a:r>
             <a:r>
-              <a:rPr lang="ru-RU" sz="2400" dirty="0" smtClean="0">
+              <a:rPr lang="ru-RU" sz="2800" dirty="0" smtClean="0">
                 <a:solidFill>
                   <a:schemeClr val="bg1">
                     <a:lumMod val="95000"/>
@@ -9641,7 +9530,7 @@
               <a:t>) </a:t>
             </a:r>
             <a:r>
-              <a:rPr lang="ru-RU" sz="2400" dirty="0">
+              <a:rPr lang="ru-RU" sz="2800" dirty="0">
                 <a:solidFill>
                   <a:schemeClr val="bg1">
                     <a:lumMod val="95000"/>
@@ -9651,7 +9540,7 @@
               <a:t>и </a:t>
             </a:r>
             <a:r>
-              <a:rPr lang="ru-RU" sz="2400" dirty="0" err="1">
+              <a:rPr lang="ru-RU" sz="2800" dirty="0" err="1">
                 <a:solidFill>
                   <a:schemeClr val="bg1">
                     <a:lumMod val="95000"/>
@@ -9661,7 +9550,7 @@
               <a:t>изкарва</a:t>
             </a:r>
             <a:r>
-              <a:rPr lang="ru-RU" sz="2400" dirty="0">
+              <a:rPr lang="ru-RU" sz="2800" dirty="0">
                 <a:solidFill>
                   <a:schemeClr val="bg1">
                     <a:lumMod val="95000"/>
@@ -9671,7 +9560,7 @@
               <a:t> на </a:t>
             </a:r>
             <a:r>
-              <a:rPr lang="ru-RU" sz="2400" dirty="0" err="1">
+              <a:rPr lang="ru-RU" sz="2800" dirty="0" err="1">
                 <a:solidFill>
                   <a:schemeClr val="bg1">
                     <a:lumMod val="95000"/>
@@ -9681,7 +9570,7 @@
               <a:t>екрана</a:t>
             </a:r>
             <a:r>
-              <a:rPr lang="ru-RU" sz="2400" dirty="0">
+              <a:rPr lang="ru-RU" sz="2800" dirty="0">
                 <a:solidFill>
                   <a:schemeClr val="bg1">
                     <a:lumMod val="95000"/>
@@ -9691,7 +9580,7 @@
               <a:t> </a:t>
             </a:r>
             <a:r>
-              <a:rPr lang="ru-RU" sz="2400" dirty="0" err="1">
+              <a:rPr lang="ru-RU" sz="2800" dirty="0" err="1">
                 <a:solidFill>
                   <a:schemeClr val="bg1">
                     <a:lumMod val="95000"/>
@@ -9701,7 +9590,7 @@
               <a:t>всички</a:t>
             </a:r>
             <a:r>
-              <a:rPr lang="ru-RU" sz="2400" dirty="0">
+              <a:rPr lang="ru-RU" sz="2800" dirty="0">
                 <a:solidFill>
                   <a:schemeClr val="bg1">
                     <a:lumMod val="95000"/>
@@ -9711,7 +9600,7 @@
               <a:t> числа от </a:t>
             </a:r>
             <a:r>
-              <a:rPr lang="en-US" sz="2400" dirty="0" smtClean="0">
+              <a:rPr lang="en-US" sz="2800" dirty="0" smtClean="0">
                 <a:solidFill>
                   <a:schemeClr val="bg1">
                     <a:lumMod val="95000"/>
@@ -9721,7 +9610,7 @@
               <a:t>a</a:t>
             </a:r>
             <a:r>
-              <a:rPr lang="ru-RU" sz="2400" dirty="0" smtClean="0">
+              <a:rPr lang="ru-RU" sz="2800" dirty="0" smtClean="0">
                 <a:solidFill>
                   <a:schemeClr val="bg1">
                     <a:lumMod val="95000"/>
@@ -9731,7 +9620,7 @@
               <a:t> </a:t>
             </a:r>
             <a:r>
-              <a:rPr lang="ru-RU" sz="2400" dirty="0">
+              <a:rPr lang="ru-RU" sz="2800" dirty="0">
                 <a:solidFill>
                   <a:schemeClr val="bg1">
                     <a:lumMod val="95000"/>
@@ -9741,7 +9630,7 @@
               <a:t>до </a:t>
             </a:r>
             <a:r>
-              <a:rPr lang="en-US" sz="2400" dirty="0" smtClean="0">
+              <a:rPr lang="en-US" sz="2800" dirty="0" smtClean="0">
                 <a:solidFill>
                   <a:schemeClr val="bg1">
                     <a:lumMod val="95000"/>
@@ -9751,7 +9640,7 @@
               <a:t>b</a:t>
             </a:r>
             <a:r>
-              <a:rPr lang="bg-BG" sz="2400" dirty="0" smtClean="0">
+              <a:rPr lang="bg-BG" sz="2800" dirty="0" smtClean="0">
                 <a:solidFill>
                   <a:schemeClr val="bg1">
                     <a:lumMod val="95000"/>
@@ -9761,7 +9650,7 @@
               <a:t>,</a:t>
             </a:r>
             <a:r>
-              <a:rPr lang="ru-RU" sz="2400" dirty="0" smtClean="0">
+              <a:rPr lang="ru-RU" sz="2800" dirty="0" smtClean="0">
                 <a:solidFill>
                   <a:schemeClr val="bg1">
                     <a:lumMod val="95000"/>
@@ -9771,7 +9660,7 @@
               <a:t> </a:t>
             </a:r>
             <a:r>
-              <a:rPr lang="ru-RU" sz="2400" dirty="0" err="1">
+              <a:rPr lang="ru-RU" sz="2800" dirty="0" err="1">
                 <a:solidFill>
                   <a:schemeClr val="bg1">
                     <a:lumMod val="95000"/>
@@ -9781,7 +9670,7 @@
               <a:t>които</a:t>
             </a:r>
             <a:r>
-              <a:rPr lang="ru-RU" sz="2400" dirty="0">
+              <a:rPr lang="ru-RU" sz="2800" dirty="0">
                 <a:solidFill>
                   <a:schemeClr val="bg1">
                     <a:lumMod val="95000"/>
@@ -9791,7 +9680,7 @@
               <a:t> се делят на 3 без </a:t>
             </a:r>
             <a:r>
-              <a:rPr lang="ru-RU" sz="2400" dirty="0" err="1">
+              <a:rPr lang="ru-RU" sz="2800" dirty="0" err="1">
                 <a:solidFill>
                   <a:schemeClr val="bg1">
                     <a:lumMod val="95000"/>
@@ -9800,7 +9689,7 @@
               </a:rPr>
               <a:t>остатък</a:t>
             </a:r>
-            <a:endParaRPr lang="ru-RU" sz="2400" dirty="0">
+            <a:endParaRPr lang="ru-RU" sz="2800" dirty="0">
               <a:solidFill>
                 <a:schemeClr val="bg1">
                   <a:lumMod val="95000"/>
@@ -9814,7 +9703,7 @@
               <a:buChar char="§"/>
             </a:pPr>
             <a:r>
-              <a:rPr lang="bg-BG" sz="2400" dirty="0">
+              <a:rPr lang="bg-BG" sz="2800" dirty="0">
                 <a:solidFill>
                   <a:schemeClr val="bg1">
                     <a:lumMod val="95000"/>
@@ -9824,7 +9713,7 @@
               <a:t>Напишете </a:t>
             </a:r>
             <a:r>
-              <a:rPr lang="ru-RU" sz="2400" dirty="0" err="1" smtClean="0">
+              <a:rPr lang="ru-RU" sz="2800" dirty="0" err="1" smtClean="0">
                 <a:solidFill>
                   <a:schemeClr val="bg1">
                     <a:lumMod val="95000"/>
@@ -9834,7 +9723,7 @@
               <a:t>програма</a:t>
             </a:r>
             <a:r>
-              <a:rPr lang="ru-RU" sz="2400" dirty="0">
+              <a:rPr lang="ru-RU" sz="2800" dirty="0">
                 <a:solidFill>
                   <a:schemeClr val="bg1">
                     <a:lumMod val="95000"/>
@@ -9844,7 +9733,7 @@
               <a:t>, </a:t>
             </a:r>
             <a:r>
-              <a:rPr lang="ru-RU" sz="2400" dirty="0" err="1">
+              <a:rPr lang="ru-RU" sz="2800" dirty="0" err="1">
                 <a:solidFill>
                   <a:schemeClr val="bg1">
                     <a:lumMod val="95000"/>
@@ -9854,7 +9743,7 @@
               <a:t>която</a:t>
             </a:r>
             <a:r>
-              <a:rPr lang="ru-RU" sz="2400" dirty="0">
+              <a:rPr lang="ru-RU" sz="2800" dirty="0">
                 <a:solidFill>
                   <a:schemeClr val="bg1">
                     <a:lumMod val="95000"/>
@@ -9864,7 +9753,7 @@
               <a:t> </a:t>
             </a:r>
             <a:r>
-              <a:rPr lang="ru-RU" sz="2400" dirty="0" err="1">
+              <a:rPr lang="ru-RU" sz="2800" dirty="0" err="1">
                 <a:solidFill>
                   <a:schemeClr val="bg1">
                     <a:lumMod val="95000"/>
@@ -9874,7 +9763,7 @@
               <a:t>принтира</a:t>
             </a:r>
             <a:r>
-              <a:rPr lang="ru-RU" sz="2400" dirty="0">
+              <a:rPr lang="ru-RU" sz="2800" dirty="0">
                 <a:solidFill>
                   <a:schemeClr val="bg1">
                     <a:lumMod val="95000"/>
@@ -9884,7 +9773,7 @@
               <a:t> на </a:t>
             </a:r>
             <a:r>
-              <a:rPr lang="ru-RU" sz="2400" dirty="0" err="1">
+              <a:rPr lang="ru-RU" sz="2800" dirty="0" err="1">
                 <a:solidFill>
                   <a:schemeClr val="bg1">
                     <a:lumMod val="95000"/>
@@ -9894,7 +9783,7 @@
               <a:t>екрана</a:t>
             </a:r>
             <a:r>
-              <a:rPr lang="ru-RU" sz="2400" dirty="0">
+              <a:rPr lang="ru-RU" sz="2800" dirty="0">
                 <a:solidFill>
                   <a:schemeClr val="bg1">
                     <a:lumMod val="95000"/>
@@ -9904,7 +9793,7 @@
               <a:t> </a:t>
             </a:r>
             <a:r>
-              <a:rPr lang="ru-RU" sz="2400" dirty="0" err="1">
+              <a:rPr lang="ru-RU" sz="2800" dirty="0" err="1">
                 <a:solidFill>
                   <a:schemeClr val="bg1">
                     <a:lumMod val="95000"/>
@@ -9914,7 +9803,7 @@
               <a:t>числата</a:t>
             </a:r>
             <a:r>
-              <a:rPr lang="ru-RU" sz="2400" dirty="0">
+              <a:rPr lang="ru-RU" sz="2800" dirty="0">
                 <a:solidFill>
                   <a:schemeClr val="bg1">
                     <a:lumMod val="95000"/>
@@ -9924,7 +9813,7 @@
               <a:t> от 30 до 1 в обратен </a:t>
             </a:r>
             <a:r>
-              <a:rPr lang="ru-RU" sz="2400" dirty="0" err="1" smtClean="0">
+              <a:rPr lang="ru-RU" sz="2800" dirty="0" err="1" smtClean="0">
                 <a:solidFill>
                   <a:schemeClr val="bg1">
                     <a:lumMod val="95000"/>
@@ -9934,7 +9823,7 @@
               <a:t>ред</a:t>
             </a:r>
             <a:r>
-              <a:rPr lang="ru-RU" sz="2400" dirty="0" smtClean="0">
+              <a:rPr lang="ru-RU" sz="2800" dirty="0" smtClean="0">
                 <a:solidFill>
                   <a:schemeClr val="bg1">
                     <a:lumMod val="95000"/>
@@ -9944,7 +9833,7 @@
               <a:t>, </a:t>
             </a:r>
             <a:r>
-              <a:rPr lang="ru-RU" sz="2400" dirty="0" err="1">
+              <a:rPr lang="ru-RU" sz="2800" dirty="0" err="1">
                 <a:solidFill>
                   <a:schemeClr val="bg1">
                     <a:lumMod val="95000"/>
@@ -9954,7 +9843,7 @@
               <a:t>подредени</a:t>
             </a:r>
             <a:r>
-              <a:rPr lang="ru-RU" sz="2400" dirty="0">
+              <a:rPr lang="ru-RU" sz="2800" dirty="0">
                 <a:solidFill>
                   <a:schemeClr val="bg1">
                     <a:lumMod val="95000"/>
@@ -9964,7 +9853,7 @@
               <a:t> в 5 </a:t>
             </a:r>
             <a:r>
-              <a:rPr lang="ru-RU" sz="2400" dirty="0" err="1">
+              <a:rPr lang="ru-RU" sz="2800" dirty="0" err="1">
                 <a:solidFill>
                   <a:schemeClr val="bg1">
                     <a:lumMod val="95000"/>
@@ -9974,7 +9863,7 @@
               <a:t>реда</a:t>
             </a:r>
             <a:r>
-              <a:rPr lang="ru-RU" sz="2400" dirty="0">
+              <a:rPr lang="ru-RU" sz="2800" dirty="0">
                 <a:solidFill>
                   <a:schemeClr val="bg1">
                     <a:lumMod val="95000"/>
@@ -9985,135 +9874,8 @@
             </a:r>
           </a:p>
           <a:p>
-            <a:pPr>
-              <a:buFont typeface="Wingdings" panose="05000000000000000000" pitchFamily="2" charset="2"/>
-              <a:buChar char="§"/>
-            </a:pPr>
-            <a:r>
-              <a:rPr lang="bg-BG" sz="2400" dirty="0">
-                <a:solidFill>
-                  <a:schemeClr val="bg1">
-                    <a:lumMod val="95000"/>
-                  </a:schemeClr>
-                </a:solidFill>
-              </a:rPr>
-              <a:t>Напишете програма, която претърсва масив чрез двоично търсене (</a:t>
-            </a:r>
-            <a:r>
-              <a:rPr lang="en-US" sz="2400" dirty="0">
-                <a:solidFill>
-                  <a:schemeClr val="bg1">
-                    <a:lumMod val="95000"/>
-                  </a:schemeClr>
-                </a:solidFill>
-              </a:rPr>
-              <a:t>binary search) </a:t>
-            </a:r>
-            <a:r>
-              <a:rPr lang="bg-BG" sz="2400" dirty="0">
-                <a:solidFill>
-                  <a:schemeClr val="bg1">
-                    <a:lumMod val="95000"/>
-                  </a:schemeClr>
-                </a:solidFill>
-              </a:rPr>
-              <a:t>и връща индекса на първото намерено число.</a:t>
-            </a:r>
-            <a:endParaRPr lang="ru-RU" sz="4400" dirty="0">
-              <a:solidFill>
-                <a:schemeClr val="bg1">
-                  <a:lumMod val="95000"/>
-                </a:schemeClr>
-              </a:solidFill>
-            </a:endParaRPr>
-          </a:p>
-          <a:p>
-            <a:pPr>
-              <a:buFont typeface="Wingdings" panose="05000000000000000000" pitchFamily="2" charset="2"/>
-              <a:buChar char="§"/>
-            </a:pPr>
-            <a:r>
-              <a:rPr lang="ru-RU" sz="2400" dirty="0">
-                <a:solidFill>
-                  <a:schemeClr val="bg1">
-                    <a:lumMod val="95000"/>
-                  </a:schemeClr>
-                </a:solidFill>
-              </a:rPr>
-              <a:t>Напишете </a:t>
-            </a:r>
-            <a:r>
-              <a:rPr lang="ru-RU" sz="2400" dirty="0" err="1">
-                <a:solidFill>
-                  <a:schemeClr val="bg1">
-                    <a:lumMod val="95000"/>
-                  </a:schemeClr>
-                </a:solidFill>
-              </a:rPr>
-              <a:t>програма</a:t>
-            </a:r>
-            <a:r>
-              <a:rPr lang="ru-RU" sz="2400" dirty="0">
-                <a:solidFill>
-                  <a:schemeClr val="bg1">
-                    <a:lumMod val="95000"/>
-                  </a:schemeClr>
-                </a:solidFill>
-              </a:rPr>
-              <a:t>, </a:t>
-            </a:r>
-            <a:r>
-              <a:rPr lang="ru-RU" sz="2400" dirty="0" err="1">
-                <a:solidFill>
-                  <a:schemeClr val="bg1">
-                    <a:lumMod val="95000"/>
-                  </a:schemeClr>
-                </a:solidFill>
-              </a:rPr>
-              <a:t>която</a:t>
-            </a:r>
-            <a:r>
-              <a:rPr lang="ru-RU" sz="2400" dirty="0">
-                <a:solidFill>
-                  <a:schemeClr val="bg1">
-                    <a:lumMod val="95000"/>
-                  </a:schemeClr>
-                </a:solidFill>
-              </a:rPr>
-              <a:t> </a:t>
-            </a:r>
-            <a:r>
-              <a:rPr lang="bg-BG" sz="2400" dirty="0">
-                <a:solidFill>
-                  <a:schemeClr val="bg1">
-                    <a:lumMod val="95000"/>
-                  </a:schemeClr>
-                </a:solidFill>
-              </a:rPr>
-              <a:t>сортира масив по метода на мехурчето (</a:t>
-            </a:r>
-            <a:r>
-              <a:rPr lang="en-US" sz="2400" dirty="0">
-                <a:solidFill>
-                  <a:schemeClr val="bg1">
-                    <a:lumMod val="95000"/>
-                  </a:schemeClr>
-                </a:solidFill>
-              </a:rPr>
-              <a:t>bubble sort)</a:t>
-            </a:r>
-            <a:endParaRPr lang="en-US" sz="4400" dirty="0">
-              <a:solidFill>
-                <a:schemeClr val="bg1">
-                  <a:lumMod val="95000"/>
-                </a:schemeClr>
-              </a:solidFill>
-            </a:endParaRPr>
-          </a:p>
-          <a:p>
-            <a:pPr>
-              <a:buFont typeface="Wingdings" panose="05000000000000000000" pitchFamily="2" charset="2"/>
-              <a:buChar char="§"/>
+            <a:pPr marL="0" indent="0">
+              <a:buNone/>
             </a:pPr>
             <a:endParaRPr lang="en-US" sz="2000" dirty="0" smtClean="0">
               <a:solidFill>
@@ -10737,6 +10499,14 @@
               <a:buChar char="§"/>
             </a:pPr>
             <a:r>
+              <a:rPr lang="en-US" sz="4400" dirty="0" smtClean="0">
+                <a:solidFill>
+                  <a:srgbClr val="FF0000"/>
+                </a:solidFill>
+              </a:rPr>
+              <a:t>*</a:t>
+            </a:r>
+            <a:r>
               <a:rPr lang="bg-BG" sz="2000" dirty="0" smtClean="0">
                 <a:solidFill>
                   <a:schemeClr val="bg1">
@@ -10744,7 +10514,17 @@
                   </a:schemeClr>
                 </a:solidFill>
               </a:rPr>
-              <a:t>Напишете програма, която попълва квадратна матрица: първо вертикално, след това хоризонтално. Потребителя въвежда размерност на матрицата.</a:t>
+              <a:t>Напишете </a:t>
+            </a:r>
+            <a:r>
+              <a:rPr lang="bg-BG" sz="2000" dirty="0" smtClean="0">
+                <a:solidFill>
+                  <a:schemeClr val="bg1">
+                    <a:lumMod val="95000"/>
+                  </a:schemeClr>
+                </a:solidFill>
+              </a:rPr>
+              <a:t>програма, която попълва квадратна матрица: първо вертикално, след това хоризонтално. Потребителя въвежда размерност на матрицата.</a:t>
             </a:r>
           </a:p>
           <a:p>
@@ -10967,6 +10747,24 @@
               <a:buChar char="§"/>
             </a:pPr>
             <a:r>
+              <a:rPr lang="en-US" sz="2000">
+                <a:solidFill>
+                  <a:srgbClr val="FF0000"/>
+                </a:solidFill>
+              </a:rPr>
+              <a:t>* </a:t>
+            </a:r>
+            <a:r>
+              <a:rPr lang="bg-BG" sz="2000" smtClean="0">
+                <a:solidFill>
+                  <a:schemeClr val="bg1">
+                    <a:lumMod val="95000"/>
+                  </a:schemeClr>
+                </a:solidFill>
+              </a:rPr>
+              <a:t>Напишете </a:t>
+            </a:r>
+            <a:r>
               <a:rPr lang="bg-BG" sz="2000" dirty="0" smtClean="0">
                 <a:solidFill>
                   <a:schemeClr val="bg1">
@@ -10974,7 +10772,7 @@
                   </a:schemeClr>
                 </a:solidFill>
               </a:rPr>
-              <a:t>Напишете програма, която попълва квадратна матрица спираловидно по посока на часовниковата страна. Потребителя въвежда размерност на матрицата.</a:t>
+              <a:t>програма, която попълва квадратна матрица спираловидно по посока на часовниковата страна. Потребителя въвежда размерност на матрицата.</a:t>
             </a:r>
           </a:p>
           <a:p>
@@ -11826,7 +11624,59 @@
                   </a:schemeClr>
                 </a:solidFill>
               </a:rPr>
-              <a:t> = {1, 2, 3, 4, 5, 6};</a:t>
+              <a:t> =</a:t>
+            </a:r>
+            <a:r>
+              <a:rPr lang="en-US" dirty="0" smtClean="0">
+                <a:solidFill>
+                  <a:schemeClr val="bg1"/>
+                </a:solidFill>
+              </a:rPr>
+              <a:t> </a:t>
+            </a:r>
+            <a:r>
+              <a:rPr lang="en-US" dirty="0">
+                <a:solidFill>
+                  <a:schemeClr val="bg1"/>
+                </a:solidFill>
+              </a:rPr>
+              <a:t>new </a:t>
+            </a:r>
+            <a:r>
+              <a:rPr lang="en-US" dirty="0" err="1">
+                <a:solidFill>
+                  <a:schemeClr val="bg1"/>
+                </a:solidFill>
+              </a:rPr>
+              <a:t>int</a:t>
+            </a:r>
+            <a:r>
+              <a:rPr lang="en-US" dirty="0" smtClean="0">
+                <a:solidFill>
+                  <a:schemeClr val="bg1"/>
+                </a:solidFill>
+              </a:rPr>
+              <a:t>[] </a:t>
+            </a:r>
+            <a:r>
+              <a:rPr lang="en-US" dirty="0" smtClean="0">
+                <a:solidFill>
+                  <a:schemeClr val="bg1">
+                    <a:lumMod val="95000"/>
+                  </a:schemeClr>
+                </a:solidFill>
+              </a:rPr>
+              <a:t>{</a:t>
+            </a:r>
+            <a:r>
+              <a:rPr lang="en-US" dirty="0" smtClean="0">
+                <a:solidFill>
+                  <a:schemeClr val="bg1">
+                    <a:lumMod val="95000"/>
+                  </a:schemeClr>
+                </a:solidFill>
+              </a:rPr>
+              <a:t>1, 2, 3, 4, 5, 6};</a:t>
             </a:r>
             <a:endParaRPr lang="ru-RU" dirty="0" smtClean="0">
               <a:solidFill>

--- a/07-Arrays.pptx
+++ b/07-Arrays.pptx
@@ -10747,7 +10747,7 @@
               <a:buChar char="§"/>
             </a:pPr>
             <a:r>
-              <a:rPr lang="en-US" sz="2000">
+              <a:rPr lang="en-US" sz="2800" dirty="0">
                 <a:solidFill>
                   <a:srgbClr val="FF0000"/>
                 </a:solidFill>
@@ -10755,7 +10755,7 @@
               <a:t>* </a:t>
             </a:r>
             <a:r>
-              <a:rPr lang="bg-BG" sz="2000" smtClean="0">
+              <a:rPr lang="bg-BG" sz="2000" dirty="0" smtClean="0">
                 <a:solidFill>
                   <a:schemeClr val="bg1">
                     <a:lumMod val="95000"/>

--- a/07-Arrays.pptx
+++ b/07-Arrays.pptx
@@ -3989,14 +3989,14 @@
               <a:buNone/>
             </a:pPr>
             <a:r>
-              <a:rPr lang="en-US" dirty="0" err="1" smtClean="0">
-                <a:solidFill>
-                  <a:schemeClr val="bg1">
-                    <a:lumMod val="95000"/>
-                  </a:schemeClr>
-                </a:solidFill>
-              </a:rPr>
-              <a:t>int</a:t>
+              <a:rPr lang="en-US" smtClean="0">
+                <a:solidFill>
+                  <a:schemeClr val="bg1">
+                    <a:lumMod val="95000"/>
+                  </a:schemeClr>
+                </a:solidFill>
+              </a:rPr>
+              <a:t>int[,] </a:t>
             </a:r>
             <a:r>
               <a:rPr lang="en-US" dirty="0" smtClean="0">
@@ -4006,7 +4006,17 @@
                   </a:schemeClr>
                 </a:solidFill>
               </a:rPr>
-              <a:t> matrix[,] = new </a:t>
+              <a:t>matrix </a:t>
+            </a:r>
+            <a:r>
+              <a:rPr lang="en-US" dirty="0" smtClean="0">
+                <a:solidFill>
+                  <a:schemeClr val="bg1">
+                    <a:lumMod val="95000"/>
+                  </a:schemeClr>
+                </a:solidFill>
+              </a:rPr>
+              <a:t>= new </a:t>
             </a:r>
             <a:r>
               <a:rPr lang="en-US" dirty="0" err="1" smtClean="0">
@@ -4701,6 +4711,13 @@
   <p:clrMapOvr>
     <a:masterClrMapping/>
   </p:clrMapOvr>
+  <p:timing>
+    <p:tnLst>
+      <p:par>
+        <p:cTn id="1" dur="indefinite" restart="never" nodeType="tmRoot"/>
+      </p:par>
+    </p:tnLst>
+  </p:timing>
 </p:sld>
 </file>
 
@@ -5599,27 +5616,7 @@
                   </a:schemeClr>
                 </a:solidFill>
               </a:rPr>
-              <a:t>Напишете програма, която попълва квадратна матрица: първо вертикално, след това хоризонтално. </a:t>
-            </a:r>
-            <a:r>
-              <a:rPr lang="bg-BG" sz="2000" dirty="0" smtClean="0">
-                <a:solidFill>
-                  <a:schemeClr val="bg1">
-                    <a:lumMod val="95000"/>
-                  </a:schemeClr>
-                </a:solidFill>
-              </a:rPr>
-              <a:t>Потребителят </a:t>
-            </a:r>
-            <a:r>
-              <a:rPr lang="bg-BG" sz="2000" dirty="0" smtClean="0">
-                <a:solidFill>
-                  <a:schemeClr val="bg1">
-                    <a:lumMod val="95000"/>
-                  </a:schemeClr>
-                </a:solidFill>
-              </a:rPr>
-              <a:t>въвежда размерност на матрицата.</a:t>
+              <a:t>Напишете програма, която попълва квадратна матрица: първо вертикално, след това хоризонтално. Потребителят въвежда размерност на матрицата.</a:t>
             </a:r>
           </a:p>
           <a:p>
